--- a/18.The Rankine Cycle.pptx
+++ b/18.The Rankine Cycle.pptx
@@ -18920,7 +18920,7 @@
               <a:rPr lang="en-US" dirty="0">
                 <a:hlinkClick r:id="rId4"/>
               </a:rPr>
-              <a:t>Example 3</a:t>
+              <a:t>Solution</a:t>
             </a:r>
             <a:endParaRPr sz="3200" b="1" i="0" u="none" strike="noStrike" cap="none" dirty="0">
               <a:solidFill>
@@ -23734,7 +23734,7 @@
               <a:rPr lang="en-US" dirty="0">
                 <a:hlinkClick r:id="rId4"/>
               </a:rPr>
-              <a:t>Example 1</a:t>
+              <a:t>Solution</a:t>
             </a:r>
             <a:endParaRPr sz="3200" b="1" i="0" u="none" strike="noStrike" cap="none" dirty="0">
               <a:solidFill>
@@ -24585,7 +24585,7 @@
               <a:rPr lang="en-US" dirty="0">
                 <a:hlinkClick r:id="rId4"/>
               </a:rPr>
-              <a:t>Example 2</a:t>
+              <a:t>Solution</a:t>
             </a:r>
             <a:endParaRPr sz="3200" b="1" i="0" u="none" strike="noStrike" cap="none" dirty="0">
               <a:solidFill>
